--- a/Project3_DataCleaning.pptx
+++ b/Project3_DataCleaning.pptx
@@ -5,31 +5,32 @@
     <p:sldMasterId id="2147483671" r:id="rId1"/>
   </p:sldMasterIdLst>
   <p:notesMasterIdLst>
-    <p:notesMasterId r:id="rId7"/>
+    <p:notesMasterId r:id="rId8"/>
   </p:notesMasterIdLst>
   <p:sldIdLst>
     <p:sldId id="256" r:id="rId2"/>
     <p:sldId id="257" r:id="rId3"/>
     <p:sldId id="258" r:id="rId4"/>
-    <p:sldId id="263" r:id="rId5"/>
-    <p:sldId id="262" r:id="rId6"/>
+    <p:sldId id="264" r:id="rId5"/>
+    <p:sldId id="263" r:id="rId6"/>
+    <p:sldId id="262" r:id="rId7"/>
   </p:sldIdLst>
   <p:sldSz cx="9144000" cy="5143500" type="screen16x9"/>
   <p:notesSz cx="6858000" cy="9144000"/>
   <p:embeddedFontLst>
     <p:embeddedFont>
       <p:font typeface="Calibri" panose="020F0502020204030204" pitchFamily="34" charset="0"/>
-      <p:regular r:id="rId8"/>
-      <p:bold r:id="rId9"/>
-      <p:italic r:id="rId10"/>
-      <p:boldItalic r:id="rId11"/>
+      <p:regular r:id="rId9"/>
+      <p:bold r:id="rId10"/>
+      <p:italic r:id="rId11"/>
+      <p:boldItalic r:id="rId12"/>
     </p:embeddedFont>
     <p:embeddedFont>
-      <p:font typeface="Poppins" panose="00000500000000000000" pitchFamily="2" charset="0"/>
-      <p:regular r:id="rId12"/>
-      <p:bold r:id="rId13"/>
-      <p:italic r:id="rId14"/>
-      <p:boldItalic r:id="rId15"/>
+      <p:font typeface="Poppins" pitchFamily="2" charset="77"/>
+      <p:regular r:id="rId13"/>
+      <p:bold r:id="rId14"/>
+      <p:italic r:id="rId15"/>
+      <p:boldItalic r:id="rId16"/>
     </p:embeddedFont>
   </p:embeddedFontLst>
   <p:defaultTextStyle>
@@ -16093,7 +16094,21 @@
                 <a:latin typeface="Poppins" panose="00000500000000000000" pitchFamily="2" charset="0"/>
                 <a:cs typeface="Poppins" panose="00000500000000000000" pitchFamily="2" charset="0"/>
               </a:rPr>
-              <a:t>PYTHON</a:t>
+              <a:t>PYTHON (</a:t>
+            </a:r>
+            <a:r>
+              <a:rPr lang="fr-FR" sz="1400" b="1" dirty="0" err="1">
+                <a:latin typeface="Poppins" panose="00000500000000000000" pitchFamily="2" charset="0"/>
+                <a:cs typeface="Poppins" panose="00000500000000000000" pitchFamily="2" charset="0"/>
+              </a:rPr>
+              <a:t>Functions</a:t>
+            </a:r>
+            <a:r>
+              <a:rPr lang="fr-FR" sz="1400" b="1" dirty="0">
+                <a:latin typeface="Poppins" panose="00000500000000000000" pitchFamily="2" charset="0"/>
+                <a:cs typeface="Poppins" panose="00000500000000000000" pitchFamily="2" charset="0"/>
+              </a:rPr>
+              <a:t>)</a:t>
             </a:r>
             <a:endParaRPr lang="fr-FR" sz="1400" dirty="0">
               <a:latin typeface="Poppins" panose="00000500000000000000" pitchFamily="2" charset="0"/>
@@ -16186,6 +16201,28 @@
                 <a:cs typeface="Poppins" panose="00000500000000000000" pitchFamily="2" charset="0"/>
               </a:rPr>
               <a:t>Homogenization of data (e.g. columns names, datatypes)</a:t>
+            </a:r>
+          </a:p>
+          <a:p>
+            <a:pPr>
+              <a:lnSpc>
+                <a:spcPct val="100000"/>
+              </a:lnSpc>
+              <a:spcBef>
+                <a:spcPts val="0"/>
+              </a:spcBef>
+              <a:spcAft>
+                <a:spcPts val="600"/>
+              </a:spcAft>
+              <a:buFont typeface="Wingdings" panose="05000000000000000000" pitchFamily="2" charset="2"/>
+              <a:buChar char="à"/>
+            </a:pPr>
+            <a:r>
+              <a:rPr lang="en-US" dirty="0">
+                <a:latin typeface="Poppins" panose="00000500000000000000" pitchFamily="2" charset="0"/>
+                <a:cs typeface="Poppins" panose="00000500000000000000" pitchFamily="2" charset="0"/>
+              </a:rPr>
+              <a:t>Export clean dataset to CSV format and AWS-hosted MySQL database</a:t>
             </a:r>
           </a:p>
         </p:txBody>
@@ -16487,34 +16524,12 @@
                 <a:latin typeface="Poppins" panose="00000500000000000000" pitchFamily="2" charset="0"/>
                 <a:cs typeface="Poppins" panose="00000500000000000000" pitchFamily="2" charset="0"/>
               </a:rPr>
-              <a:t>SQL</a:t>
+              <a:t>MySQL</a:t>
             </a:r>
             <a:endParaRPr lang="en-US" sz="1400" dirty="0">
               <a:latin typeface="Poppins" panose="00000500000000000000" pitchFamily="2" charset="0"/>
               <a:cs typeface="Poppins" panose="00000500000000000000" pitchFamily="2" charset="0"/>
             </a:endParaRPr>
-          </a:p>
-          <a:p>
-            <a:pPr>
-              <a:lnSpc>
-                <a:spcPct val="100000"/>
-              </a:lnSpc>
-              <a:spcBef>
-                <a:spcPts val="0"/>
-              </a:spcBef>
-              <a:spcAft>
-                <a:spcPts val="600"/>
-              </a:spcAft>
-              <a:buFont typeface="Wingdings" panose="05000000000000000000" pitchFamily="2" charset="2"/>
-              <a:buChar char="à"/>
-            </a:pPr>
-            <a:r>
-              <a:rPr lang="en-US" dirty="0">
-                <a:latin typeface="Poppins" panose="00000500000000000000" pitchFamily="2" charset="0"/>
-                <a:cs typeface="Poppins" panose="00000500000000000000" pitchFamily="2" charset="0"/>
-              </a:rPr>
-              <a:t>Create database</a:t>
-            </a:r>
           </a:p>
           <a:p>
             <a:pPr>
@@ -16637,6 +16652,221 @@
 </file>
 
 <file path=ppt/slides/slide4.xml><?xml version="1.0" encoding="utf-8"?>
+<p:sld xmlns:a="http://schemas.openxmlformats.org/drawingml/2006/main" xmlns:r="http://schemas.openxmlformats.org/officeDocument/2006/relationships" xmlns:p="http://schemas.openxmlformats.org/presentationml/2006/main">
+  <p:cSld>
+    <p:spTree>
+      <p:nvGrpSpPr>
+        <p:cNvPr id="1" name=""/>
+        <p:cNvGrpSpPr/>
+        <p:nvPr/>
+      </p:nvGrpSpPr>
+      <p:grpSpPr>
+        <a:xfrm>
+          <a:off x="0" y="0"/>
+          <a:ext cx="0" cy="0"/>
+          <a:chOff x="0" y="0"/>
+          <a:chExt cx="0" cy="0"/>
+        </a:xfrm>
+      </p:grpSpPr>
+      <p:sp>
+        <p:nvSpPr>
+          <p:cNvPr id="2" name="Titre 1">
+            <a:extLst>
+              <a:ext uri="{FF2B5EF4-FFF2-40B4-BE49-F238E27FC236}">
+                <a16:creationId xmlns:a16="http://schemas.microsoft.com/office/drawing/2014/main" id="{5F592A7F-7F06-3444-BA1F-0630671EE56A}"/>
+              </a:ext>
+            </a:extLst>
+          </p:cNvPr>
+          <p:cNvSpPr>
+            <a:spLocks noGrp="1"/>
+          </p:cNvSpPr>
+          <p:nvPr>
+            <p:ph type="title"/>
+          </p:nvPr>
+        </p:nvSpPr>
+        <p:spPr/>
+        <p:txBody>
+          <a:bodyPr/>
+          <a:lstStyle/>
+          <a:p>
+            <a:r>
+              <a:rPr lang="fr-FR" dirty="0"/>
+              <a:t>Challenges &amp; </a:t>
+            </a:r>
+            <a:r>
+              <a:rPr lang="fr-FR" dirty="0" err="1"/>
+              <a:t>highlights</a:t>
+            </a:r>
+            <a:endParaRPr lang="fr-FR" dirty="0"/>
+          </a:p>
+        </p:txBody>
+      </p:sp>
+      <p:sp>
+        <p:nvSpPr>
+          <p:cNvPr id="3" name="Espace réservé du texte 2">
+            <a:extLst>
+              <a:ext uri="{FF2B5EF4-FFF2-40B4-BE49-F238E27FC236}">
+                <a16:creationId xmlns:a16="http://schemas.microsoft.com/office/drawing/2014/main" id="{9A4DB0B4-3A60-834B-8772-3C7F576B7309}"/>
+              </a:ext>
+            </a:extLst>
+          </p:cNvPr>
+          <p:cNvSpPr>
+            <a:spLocks noGrp="1"/>
+          </p:cNvSpPr>
+          <p:nvPr>
+            <p:ph type="body" idx="1"/>
+          </p:nvPr>
+        </p:nvSpPr>
+        <p:spPr/>
+        <p:txBody>
+          <a:bodyPr/>
+          <a:lstStyle/>
+          <a:p>
+            <a:r>
+              <a:rPr lang="fr-FR" dirty="0" err="1"/>
+              <a:t>Understanding</a:t>
+            </a:r>
+            <a:r>
+              <a:rPr lang="fr-FR" dirty="0"/>
+              <a:t> of </a:t>
+            </a:r>
+            <a:r>
+              <a:rPr lang="fr-FR" dirty="0" err="1"/>
+              <a:t>dataset</a:t>
+            </a:r>
+            <a:r>
+              <a:rPr lang="fr-FR" dirty="0"/>
+              <a:t>’ </a:t>
+            </a:r>
+            <a:r>
+              <a:rPr lang="fr-FR" dirty="0" err="1"/>
+              <a:t>fields</a:t>
+            </a:r>
+            <a:endParaRPr lang="fr-FR" dirty="0"/>
+          </a:p>
+          <a:p>
+            <a:r>
+              <a:rPr lang="fr-FR" dirty="0" err="1"/>
+              <a:t>Development</a:t>
+            </a:r>
+            <a:r>
+              <a:rPr lang="fr-FR" dirty="0"/>
+              <a:t> of a </a:t>
+            </a:r>
+            <a:r>
+              <a:rPr lang="fr-FR" dirty="0" err="1"/>
+              <a:t>functional</a:t>
+            </a:r>
+            <a:r>
+              <a:rPr lang="fr-FR" dirty="0"/>
+              <a:t> </a:t>
+            </a:r>
+            <a:r>
+              <a:rPr lang="fr-FR" dirty="0" err="1"/>
+              <a:t>approach</a:t>
+            </a:r>
+            <a:r>
+              <a:rPr lang="fr-FR" dirty="0"/>
+              <a:t>: time-</a:t>
+            </a:r>
+            <a:r>
+              <a:rPr lang="fr-FR" dirty="0" err="1"/>
+              <a:t>consuming</a:t>
+            </a:r>
+            <a:r>
+              <a:rPr lang="fr-FR" dirty="0"/>
+              <a:t> at first, but </a:t>
+            </a:r>
+            <a:r>
+              <a:rPr lang="fr-FR" dirty="0" err="1"/>
+              <a:t>offers</a:t>
+            </a:r>
+            <a:r>
+              <a:rPr lang="fr-FR" dirty="0"/>
+              <a:t> </a:t>
+            </a:r>
+            <a:r>
+              <a:rPr lang="fr-FR" dirty="0" err="1"/>
+              <a:t>great</a:t>
+            </a:r>
+            <a:r>
+              <a:rPr lang="fr-FR" dirty="0"/>
+              <a:t> </a:t>
+            </a:r>
+            <a:r>
+              <a:rPr lang="fr-FR" dirty="0" err="1"/>
+              <a:t>flexibility</a:t>
+            </a:r>
+            <a:r>
+              <a:rPr lang="fr-FR" dirty="0"/>
+              <a:t> and </a:t>
+            </a:r>
+            <a:r>
+              <a:rPr lang="fr-FR" dirty="0" err="1"/>
+              <a:t>reusability</a:t>
+            </a:r>
+            <a:r>
+              <a:rPr lang="fr-FR" dirty="0"/>
+              <a:t> for </a:t>
+            </a:r>
+            <a:r>
+              <a:rPr lang="fr-FR" dirty="0" err="1"/>
+              <a:t>any</a:t>
+            </a:r>
+            <a:r>
+              <a:rPr lang="fr-FR" dirty="0"/>
+              <a:t> </a:t>
+            </a:r>
+            <a:r>
+              <a:rPr lang="fr-FR" dirty="0" err="1"/>
+              <a:t>other</a:t>
+            </a:r>
+            <a:r>
+              <a:rPr lang="fr-FR" dirty="0"/>
+              <a:t> </a:t>
+            </a:r>
+            <a:r>
+              <a:rPr lang="fr-FR" dirty="0" err="1"/>
+              <a:t>dataset</a:t>
+            </a:r>
+            <a:endParaRPr lang="fr-FR" dirty="0"/>
+          </a:p>
+          <a:p>
+            <a:r>
+              <a:rPr lang="fr-FR" dirty="0" err="1"/>
+              <a:t>Functions</a:t>
+            </a:r>
+            <a:r>
+              <a:rPr lang="fr-FR" dirty="0"/>
+              <a:t> open for sharing </a:t>
+            </a:r>
+            <a:r>
+              <a:rPr lang="fr-FR" dirty="0">
+                <a:sym typeface="Wingdings" pitchFamily="2" charset="2"/>
+              </a:rPr>
+              <a:t></a:t>
+            </a:r>
+            <a:endParaRPr lang="fr-FR" dirty="0"/>
+          </a:p>
+          <a:p>
+            <a:endParaRPr lang="fr-FR" dirty="0"/>
+          </a:p>
+        </p:txBody>
+      </p:sp>
+    </p:spTree>
+    <p:extLst>
+      <p:ext uri="{BB962C8B-B14F-4D97-AF65-F5344CB8AC3E}">
+        <p14:creationId xmlns:p14="http://schemas.microsoft.com/office/powerpoint/2010/main" val="3998772814"/>
+      </p:ext>
+    </p:extLst>
+  </p:cSld>
+  <p:clrMapOvr>
+    <a:masterClrMapping/>
+  </p:clrMapOvr>
+</p:sld>
+</file>
+
+<file path=ppt/slides/slide5.xml><?xml version="1.0" encoding="utf-8"?>
 <p:sld xmlns:a="http://schemas.openxmlformats.org/drawingml/2006/main" xmlns:r="http://schemas.openxmlformats.org/officeDocument/2006/relationships" xmlns:p="http://schemas.openxmlformats.org/presentationml/2006/main">
   <p:cSld>
     <p:spTree>
@@ -17539,7 +17769,7 @@
 </p:sld>
 </file>
 
-<file path=ppt/slides/slide5.xml><?xml version="1.0" encoding="utf-8"?>
+<file path=ppt/slides/slide6.xml><?xml version="1.0" encoding="utf-8"?>
 <p:sld xmlns:a="http://schemas.openxmlformats.org/drawingml/2006/main" xmlns:r="http://schemas.openxmlformats.org/officeDocument/2006/relationships" xmlns:p="http://schemas.openxmlformats.org/presentationml/2006/main">
   <p:cSld>
     <p:spTree>
